--- a/Defensive Software Development.pptx
+++ b/Defensive Software Development.pptx
@@ -5,23 +5,24 @@
     <p:sldMasterId id="2147483648" r:id="rId1"/>
   </p:sldMasterIdLst>
   <p:notesMasterIdLst>
-    <p:notesMasterId r:id="rId16"/>
+    <p:notesMasterId r:id="rId17"/>
   </p:notesMasterIdLst>
   <p:sldIdLst>
     <p:sldId id="256" r:id="rId2"/>
     <p:sldId id="257" r:id="rId3"/>
-    <p:sldId id="262" r:id="rId4"/>
-    <p:sldId id="261" r:id="rId5"/>
-    <p:sldId id="258" r:id="rId6"/>
-    <p:sldId id="263" r:id="rId7"/>
-    <p:sldId id="264" r:id="rId8"/>
-    <p:sldId id="265" r:id="rId9"/>
-    <p:sldId id="266" r:id="rId10"/>
-    <p:sldId id="267" r:id="rId11"/>
-    <p:sldId id="268" r:id="rId12"/>
-    <p:sldId id="269" r:id="rId13"/>
-    <p:sldId id="260" r:id="rId14"/>
-    <p:sldId id="259" r:id="rId15"/>
+    <p:sldId id="270" r:id="rId4"/>
+    <p:sldId id="262" r:id="rId5"/>
+    <p:sldId id="261" r:id="rId6"/>
+    <p:sldId id="258" r:id="rId7"/>
+    <p:sldId id="263" r:id="rId8"/>
+    <p:sldId id="264" r:id="rId9"/>
+    <p:sldId id="265" r:id="rId10"/>
+    <p:sldId id="266" r:id="rId11"/>
+    <p:sldId id="267" r:id="rId12"/>
+    <p:sldId id="268" r:id="rId13"/>
+    <p:sldId id="269" r:id="rId14"/>
+    <p:sldId id="260" r:id="rId15"/>
+    <p:sldId id="259" r:id="rId16"/>
   </p:sldIdLst>
   <p:sldSz cx="12192000" cy="6858000"/>
   <p:notesSz cx="6858000" cy="9144000"/>
@@ -136,539 +137,6 @@
 </p1510:revInfo>
 </file>
 
-<file path=ppt/changesInfos/changesInfo1.xml><?xml version="1.0" encoding="utf-8"?>
-<pc:chgInfo xmlns:a="http://schemas.openxmlformats.org/drawingml/2006/main" xmlns:r="http://schemas.openxmlformats.org/officeDocument/2006/relationships" xmlns:ac="http://schemas.microsoft.com/office/drawing/2013/main/command" xmlns:pc="http://schemas.microsoft.com/office/powerpoint/2013/main/command">
-  <pc:docChgLst>
-    <pc:chgData name="Matt Ruwe" userId="4c346f6edf4e069e" providerId="LiveId" clId="{37D5E936-903C-48C4-84F4-0840236BA509}"/>
-    <pc:docChg chg="undo custSel addSld modSld sldOrd">
-      <pc:chgData name="Matt Ruwe" userId="4c346f6edf4e069e" providerId="LiveId" clId="{37D5E936-903C-48C4-84F4-0840236BA509}" dt="2020-01-03T20:10:19.278" v="2697" actId="20577"/>
-      <pc:docMkLst>
-        <pc:docMk/>
-      </pc:docMkLst>
-      <pc:sldChg chg="modSp">
-        <pc:chgData name="Matt Ruwe" userId="4c346f6edf4e069e" providerId="LiveId" clId="{37D5E936-903C-48C4-84F4-0840236BA509}" dt="2020-01-02T08:37:08.050" v="38" actId="20577"/>
-        <pc:sldMkLst>
-          <pc:docMk/>
-          <pc:sldMk cId="3363607779" sldId="256"/>
-        </pc:sldMkLst>
-        <pc:spChg chg="mod">
-          <ac:chgData name="Matt Ruwe" userId="4c346f6edf4e069e" providerId="LiveId" clId="{37D5E936-903C-48C4-84F4-0840236BA509}" dt="2020-01-02T08:36:58.904" v="29" actId="20577"/>
-          <ac:spMkLst>
-            <pc:docMk/>
-            <pc:sldMk cId="3363607779" sldId="256"/>
-            <ac:spMk id="2" creationId="{BBB97129-D4CF-4DD4-B5C7-521936C08D3A}"/>
-          </ac:spMkLst>
-        </pc:spChg>
-        <pc:spChg chg="mod">
-          <ac:chgData name="Matt Ruwe" userId="4c346f6edf4e069e" providerId="LiveId" clId="{37D5E936-903C-48C4-84F4-0840236BA509}" dt="2020-01-02T08:37:08.050" v="38" actId="20577"/>
-          <ac:spMkLst>
-            <pc:docMk/>
-            <pc:sldMk cId="3363607779" sldId="256"/>
-            <ac:spMk id="3" creationId="{A40B8E04-ED5D-448B-98D5-0C22E55934FB}"/>
-          </ac:spMkLst>
-        </pc:spChg>
-      </pc:sldChg>
-      <pc:sldChg chg="addSp modSp">
-        <pc:chgData name="Matt Ruwe" userId="4c346f6edf4e069e" providerId="LiveId" clId="{37D5E936-903C-48C4-84F4-0840236BA509}" dt="2020-01-02T08:42:30.333" v="250" actId="1076"/>
-        <pc:sldMkLst>
-          <pc:docMk/>
-          <pc:sldMk cId="2594032780" sldId="257"/>
-        </pc:sldMkLst>
-        <pc:spChg chg="mod">
-          <ac:chgData name="Matt Ruwe" userId="4c346f6edf4e069e" providerId="LiveId" clId="{37D5E936-903C-48C4-84F4-0840236BA509}" dt="2020-01-02T08:41:20.984" v="245" actId="14100"/>
-          <ac:spMkLst>
-            <pc:docMk/>
-            <pc:sldMk cId="2594032780" sldId="257"/>
-            <ac:spMk id="3" creationId="{5C834062-7A4F-4A32-8721-0823913C8E58}"/>
-          </ac:spMkLst>
-        </pc:spChg>
-        <pc:picChg chg="add mod">
-          <ac:chgData name="Matt Ruwe" userId="4c346f6edf4e069e" providerId="LiveId" clId="{37D5E936-903C-48C4-84F4-0840236BA509}" dt="2020-01-02T08:41:30.028" v="247" actId="1076"/>
-          <ac:picMkLst>
-            <pc:docMk/>
-            <pc:sldMk cId="2594032780" sldId="257"/>
-            <ac:picMk id="1026" creationId="{8F999754-D8BF-46F1-8AE1-97F4D5525D7A}"/>
-          </ac:picMkLst>
-        </pc:picChg>
-        <pc:picChg chg="add mod">
-          <ac:chgData name="Matt Ruwe" userId="4c346f6edf4e069e" providerId="LiveId" clId="{37D5E936-903C-48C4-84F4-0840236BA509}" dt="2020-01-02T08:42:30.333" v="250" actId="1076"/>
-          <ac:picMkLst>
-            <pc:docMk/>
-            <pc:sldMk cId="2594032780" sldId="257"/>
-            <ac:picMk id="1028" creationId="{606F6F1B-374F-47ED-80DB-A4FF3BA387F9}"/>
-          </ac:picMkLst>
-        </pc:picChg>
-      </pc:sldChg>
-      <pc:sldChg chg="ord modTransition">
-        <pc:chgData name="Matt Ruwe" userId="4c346f6edf4e069e" providerId="LiveId" clId="{37D5E936-903C-48C4-84F4-0840236BA509}" dt="2020-01-03T19:10:26.617" v="2230"/>
-        <pc:sldMkLst>
-          <pc:docMk/>
-          <pc:sldMk cId="177934680" sldId="258"/>
-        </pc:sldMkLst>
-      </pc:sldChg>
-      <pc:sldChg chg="modSp add ord">
-        <pc:chgData name="Matt Ruwe" userId="4c346f6edf4e069e" providerId="LiveId" clId="{37D5E936-903C-48C4-84F4-0840236BA509}" dt="2020-01-03T12:53:19.710" v="2148"/>
-        <pc:sldMkLst>
-          <pc:docMk/>
-          <pc:sldMk cId="3950127681" sldId="261"/>
-        </pc:sldMkLst>
-        <pc:spChg chg="mod">
-          <ac:chgData name="Matt Ruwe" userId="4c346f6edf4e069e" providerId="LiveId" clId="{37D5E936-903C-48C4-84F4-0840236BA509}" dt="2020-01-02T09:12:39.344" v="587" actId="20577"/>
-          <ac:spMkLst>
-            <pc:docMk/>
-            <pc:sldMk cId="3950127681" sldId="261"/>
-            <ac:spMk id="2" creationId="{B2631467-5210-4C9A-925A-9B81DBDCE5E2}"/>
-          </ac:spMkLst>
-        </pc:spChg>
-        <pc:spChg chg="mod">
-          <ac:chgData name="Matt Ruwe" userId="4c346f6edf4e069e" providerId="LiveId" clId="{37D5E936-903C-48C4-84F4-0840236BA509}" dt="2020-01-02T15:21:24.382" v="588" actId="313"/>
-          <ac:spMkLst>
-            <pc:docMk/>
-            <pc:sldMk cId="3950127681" sldId="261"/>
-            <ac:spMk id="3" creationId="{DE2B145C-C7ED-4080-B775-1818BBEA5D98}"/>
-          </ac:spMkLst>
-        </pc:spChg>
-      </pc:sldChg>
-      <pc:sldChg chg="modSp add">
-        <pc:chgData name="Matt Ruwe" userId="4c346f6edf4e069e" providerId="LiveId" clId="{37D5E936-903C-48C4-84F4-0840236BA509}" dt="2020-01-03T19:10:18.621" v="2229" actId="20577"/>
-        <pc:sldMkLst>
-          <pc:docMk/>
-          <pc:sldMk cId="1407263760" sldId="262"/>
-        </pc:sldMkLst>
-        <pc:spChg chg="mod">
-          <ac:chgData name="Matt Ruwe" userId="4c346f6edf4e069e" providerId="LiveId" clId="{37D5E936-903C-48C4-84F4-0840236BA509}" dt="2020-01-03T19:09:35.281" v="2151" actId="20577"/>
-          <ac:spMkLst>
-            <pc:docMk/>
-            <pc:sldMk cId="1407263760" sldId="262"/>
-            <ac:spMk id="2" creationId="{799C85EA-3275-4A0F-BFEF-D9CC6BFC05B5}"/>
-          </ac:spMkLst>
-        </pc:spChg>
-        <pc:spChg chg="mod">
-          <ac:chgData name="Matt Ruwe" userId="4c346f6edf4e069e" providerId="LiveId" clId="{37D5E936-903C-48C4-84F4-0840236BA509}" dt="2020-01-03T19:10:18.621" v="2229" actId="20577"/>
-          <ac:spMkLst>
-            <pc:docMk/>
-            <pc:sldMk cId="1407263760" sldId="262"/>
-            <ac:spMk id="3" creationId="{006C8F0A-E336-49E5-BCF0-CA4E6043335D}"/>
-          </ac:spMkLst>
-        </pc:spChg>
-      </pc:sldChg>
-      <pc:sldChg chg="modSp add">
-        <pc:chgData name="Matt Ruwe" userId="4c346f6edf4e069e" providerId="LiveId" clId="{37D5E936-903C-48C4-84F4-0840236BA509}" dt="2020-01-03T20:10:19.278" v="2697" actId="20577"/>
-        <pc:sldMkLst>
-          <pc:docMk/>
-          <pc:sldMk cId="3906810342" sldId="263"/>
-        </pc:sldMkLst>
-        <pc:spChg chg="mod">
-          <ac:chgData name="Matt Ruwe" userId="4c346f6edf4e069e" providerId="LiveId" clId="{37D5E936-903C-48C4-84F4-0840236BA509}" dt="2020-01-03T12:34:27.363" v="878" actId="20577"/>
-          <ac:spMkLst>
-            <pc:docMk/>
-            <pc:sldMk cId="3906810342" sldId="263"/>
-            <ac:spMk id="2" creationId="{A995D536-86CA-414C-99C8-E8AC014C3F5E}"/>
-          </ac:spMkLst>
-        </pc:spChg>
-        <pc:spChg chg="mod">
-          <ac:chgData name="Matt Ruwe" userId="4c346f6edf4e069e" providerId="LiveId" clId="{37D5E936-903C-48C4-84F4-0840236BA509}" dt="2020-01-03T20:10:19.278" v="2697" actId="20577"/>
-          <ac:spMkLst>
-            <pc:docMk/>
-            <pc:sldMk cId="3906810342" sldId="263"/>
-            <ac:spMk id="3" creationId="{7C44B6BE-4973-496A-A2F4-495C3F9F8300}"/>
-          </ac:spMkLst>
-        </pc:spChg>
-      </pc:sldChg>
-      <pc:sldChg chg="modSp add">
-        <pc:chgData name="Matt Ruwe" userId="4c346f6edf4e069e" providerId="LiveId" clId="{37D5E936-903C-48C4-84F4-0840236BA509}" dt="2020-01-03T19:15:12.544" v="2670" actId="20577"/>
-        <pc:sldMkLst>
-          <pc:docMk/>
-          <pc:sldMk cId="2915550263" sldId="264"/>
-        </pc:sldMkLst>
-        <pc:spChg chg="mod">
-          <ac:chgData name="Matt Ruwe" userId="4c346f6edf4e069e" providerId="LiveId" clId="{37D5E936-903C-48C4-84F4-0840236BA509}" dt="2020-01-03T12:43:27.158" v="1166" actId="20577"/>
-          <ac:spMkLst>
-            <pc:docMk/>
-            <pc:sldMk cId="2915550263" sldId="264"/>
-            <ac:spMk id="2" creationId="{0906895A-E735-4EAD-9878-1033A0AF2B15}"/>
-          </ac:spMkLst>
-        </pc:spChg>
-        <pc:spChg chg="mod">
-          <ac:chgData name="Matt Ruwe" userId="4c346f6edf4e069e" providerId="LiveId" clId="{37D5E936-903C-48C4-84F4-0840236BA509}" dt="2020-01-03T19:15:12.544" v="2670" actId="20577"/>
-          <ac:spMkLst>
-            <pc:docMk/>
-            <pc:sldMk cId="2915550263" sldId="264"/>
-            <ac:spMk id="3" creationId="{E221E987-016D-401C-9FE7-AA0916168D10}"/>
-          </ac:spMkLst>
-        </pc:spChg>
-      </pc:sldChg>
-      <pc:sldChg chg="modSp add">
-        <pc:chgData name="Matt Ruwe" userId="4c346f6edf4e069e" providerId="LiveId" clId="{37D5E936-903C-48C4-84F4-0840236BA509}" dt="2020-01-03T12:52:22.615" v="2142" actId="20577"/>
-        <pc:sldMkLst>
-          <pc:docMk/>
-          <pc:sldMk cId="1249041938" sldId="265"/>
-        </pc:sldMkLst>
-        <pc:spChg chg="mod">
-          <ac:chgData name="Matt Ruwe" userId="4c346f6edf4e069e" providerId="LiveId" clId="{37D5E936-903C-48C4-84F4-0840236BA509}" dt="2020-01-03T12:47:54.928" v="1730" actId="20577"/>
-          <ac:spMkLst>
-            <pc:docMk/>
-            <pc:sldMk cId="1249041938" sldId="265"/>
-            <ac:spMk id="2" creationId="{CCFEC04B-752A-433D-ACAA-ED6F3E56AE19}"/>
-          </ac:spMkLst>
-        </pc:spChg>
-        <pc:spChg chg="mod">
-          <ac:chgData name="Matt Ruwe" userId="4c346f6edf4e069e" providerId="LiveId" clId="{37D5E936-903C-48C4-84F4-0840236BA509}" dt="2020-01-03T12:52:22.615" v="2142" actId="20577"/>
-          <ac:spMkLst>
-            <pc:docMk/>
-            <pc:sldMk cId="1249041938" sldId="265"/>
-            <ac:spMk id="3" creationId="{B5216A6D-9BB0-4A2E-83F4-08DE469F43A6}"/>
-          </ac:spMkLst>
-        </pc:spChg>
-      </pc:sldChg>
-    </pc:docChg>
-  </pc:docChgLst>
-  <pc:docChgLst>
-    <pc:chgData name="Matt Ruwe" userId="4c346f6edf4e069e" providerId="LiveId" clId="{E80CA347-D5D0-4AED-BE3A-0EB532B180F5}"/>
-    <pc:docChg chg="undo custSel addSld modSld">
-      <pc:chgData name="Matt Ruwe" userId="4c346f6edf4e069e" providerId="LiveId" clId="{E80CA347-D5D0-4AED-BE3A-0EB532B180F5}" dt="2019-11-25T19:54:08.071" v="416" actId="20577"/>
-      <pc:docMkLst>
-        <pc:docMk/>
-      </pc:docMkLst>
-      <pc:sldChg chg="modSp add modNotesTx">
-        <pc:chgData name="Matt Ruwe" userId="4c346f6edf4e069e" providerId="LiveId" clId="{E80CA347-D5D0-4AED-BE3A-0EB532B180F5}" dt="2019-11-25T19:54:08.071" v="416" actId="20577"/>
-        <pc:sldMkLst>
-          <pc:docMk/>
-          <pc:sldMk cId="3363607779" sldId="256"/>
-        </pc:sldMkLst>
-        <pc:spChg chg="mod">
-          <ac:chgData name="Matt Ruwe" userId="4c346f6edf4e069e" providerId="LiveId" clId="{E80CA347-D5D0-4AED-BE3A-0EB532B180F5}" dt="2019-11-25T19:50:42.179" v="119" actId="20577"/>
-          <ac:spMkLst>
-            <pc:docMk/>
-            <pc:sldMk cId="3363607779" sldId="256"/>
-            <ac:spMk id="2" creationId="{BBB97129-D4CF-4DD4-B5C7-521936C08D3A}"/>
-          </ac:spMkLst>
-        </pc:spChg>
-      </pc:sldChg>
-    </pc:docChg>
-  </pc:docChgLst>
-  <pc:docChgLst>
-    <pc:chgData name="Matt Ruwe" userId="4c346f6edf4e069e" providerId="LiveId" clId="{62783A01-0E98-4A02-A197-B9942A9C449A}"/>
-    <pc:docChg chg="undo custSel mod addSld modSld">
-      <pc:chgData name="Matt Ruwe" userId="4c346f6edf4e069e" providerId="LiveId" clId="{62783A01-0E98-4A02-A197-B9942A9C449A}" dt="2020-01-15T17:06:40.152" v="2161" actId="20577"/>
-      <pc:docMkLst>
-        <pc:docMk/>
-      </pc:docMkLst>
-      <pc:sldChg chg="addSp modSp mod setBg">
-        <pc:chgData name="Matt Ruwe" userId="4c346f6edf4e069e" providerId="LiveId" clId="{62783A01-0E98-4A02-A197-B9942A9C449A}" dt="2019-12-17T14:21:24.532" v="798" actId="26606"/>
-        <pc:sldMkLst>
-          <pc:docMk/>
-          <pc:sldMk cId="3363607779" sldId="256"/>
-        </pc:sldMkLst>
-        <pc:spChg chg="mod">
-          <ac:chgData name="Matt Ruwe" userId="4c346f6edf4e069e" providerId="LiveId" clId="{62783A01-0E98-4A02-A197-B9942A9C449A}" dt="2019-12-17T14:21:24.532" v="798" actId="26606"/>
-          <ac:spMkLst>
-            <pc:docMk/>
-            <pc:sldMk cId="3363607779" sldId="256"/>
-            <ac:spMk id="2" creationId="{BBB97129-D4CF-4DD4-B5C7-521936C08D3A}"/>
-          </ac:spMkLst>
-        </pc:spChg>
-        <pc:spChg chg="mod">
-          <ac:chgData name="Matt Ruwe" userId="4c346f6edf4e069e" providerId="LiveId" clId="{62783A01-0E98-4A02-A197-B9942A9C449A}" dt="2019-12-17T14:21:24.532" v="798" actId="26606"/>
-          <ac:spMkLst>
-            <pc:docMk/>
-            <pc:sldMk cId="3363607779" sldId="256"/>
-            <ac:spMk id="3" creationId="{A40B8E04-ED5D-448B-98D5-0C22E55934FB}"/>
-          </ac:spMkLst>
-        </pc:spChg>
-        <pc:spChg chg="add">
-          <ac:chgData name="Matt Ruwe" userId="4c346f6edf4e069e" providerId="LiveId" clId="{62783A01-0E98-4A02-A197-B9942A9C449A}" dt="2019-12-17T14:21:24.532" v="798" actId="26606"/>
-          <ac:spMkLst>
-            <pc:docMk/>
-            <pc:sldMk cId="3363607779" sldId="256"/>
-            <ac:spMk id="71" creationId="{C0B27210-D0CA-4654-B3E3-9ABB4F178EA1}"/>
-          </ac:spMkLst>
-        </pc:spChg>
-        <pc:spChg chg="add">
-          <ac:chgData name="Matt Ruwe" userId="4c346f6edf4e069e" providerId="LiveId" clId="{62783A01-0E98-4A02-A197-B9942A9C449A}" dt="2019-12-17T14:21:24.532" v="798" actId="26606"/>
-          <ac:spMkLst>
-            <pc:docMk/>
-            <pc:sldMk cId="3363607779" sldId="256"/>
-            <ac:spMk id="73" creationId="{1DB7C82F-AB7E-4F0C-B829-FA1B9C415180}"/>
-          </ac:spMkLst>
-        </pc:spChg>
-        <pc:spChg chg="add">
-          <ac:chgData name="Matt Ruwe" userId="4c346f6edf4e069e" providerId="LiveId" clId="{62783A01-0E98-4A02-A197-B9942A9C449A}" dt="2019-12-17T14:21:24.532" v="798" actId="26606"/>
-          <ac:spMkLst>
-            <pc:docMk/>
-            <pc:sldMk cId="3363607779" sldId="256"/>
-            <ac:spMk id="75" creationId="{70B66945-4967-4040-926D-DCA44313CDAB}"/>
-          </ac:spMkLst>
-        </pc:spChg>
-        <pc:picChg chg="add mod">
-          <ac:chgData name="Matt Ruwe" userId="4c346f6edf4e069e" providerId="LiveId" clId="{62783A01-0E98-4A02-A197-B9942A9C449A}" dt="2019-12-17T14:21:24.532" v="798" actId="26606"/>
-          <ac:picMkLst>
-            <pc:docMk/>
-            <pc:sldMk cId="3363607779" sldId="256"/>
-            <ac:picMk id="2050" creationId="{65FC6344-87A7-40C8-84BB-124F3B9B567E}"/>
-          </ac:picMkLst>
-        </pc:picChg>
-      </pc:sldChg>
-      <pc:sldChg chg="modSp add">
-        <pc:chgData name="Matt Ruwe" userId="4c346f6edf4e069e" providerId="LiveId" clId="{62783A01-0E98-4A02-A197-B9942A9C449A}" dt="2019-12-16T18:33:03.329" v="15" actId="20577"/>
-        <pc:sldMkLst>
-          <pc:docMk/>
-          <pc:sldMk cId="2594032780" sldId="257"/>
-        </pc:sldMkLst>
-        <pc:spChg chg="mod">
-          <ac:chgData name="Matt Ruwe" userId="4c346f6edf4e069e" providerId="LiveId" clId="{62783A01-0E98-4A02-A197-B9942A9C449A}" dt="2019-12-16T18:33:03.329" v="15" actId="20577"/>
-          <ac:spMkLst>
-            <pc:docMk/>
-            <pc:sldMk cId="2594032780" sldId="257"/>
-            <ac:spMk id="2" creationId="{FF091099-497A-4248-969C-11B4B83F0F09}"/>
-          </ac:spMkLst>
-        </pc:spChg>
-      </pc:sldChg>
-      <pc:sldChg chg="modSp add">
-        <pc:chgData name="Matt Ruwe" userId="4c346f6edf4e069e" providerId="LiveId" clId="{62783A01-0E98-4A02-A197-B9942A9C449A}" dt="2019-12-17T14:19:24.427" v="792" actId="20577"/>
-        <pc:sldMkLst>
-          <pc:docMk/>
-          <pc:sldMk cId="177934680" sldId="258"/>
-        </pc:sldMkLst>
-        <pc:spChg chg="mod">
-          <ac:chgData name="Matt Ruwe" userId="4c346f6edf4e069e" providerId="LiveId" clId="{62783A01-0E98-4A02-A197-B9942A9C449A}" dt="2019-12-16T18:33:21.162" v="55" actId="20577"/>
-          <ac:spMkLst>
-            <pc:docMk/>
-            <pc:sldMk cId="177934680" sldId="258"/>
-            <ac:spMk id="2" creationId="{3A456224-5A3A-4812-828F-D984D8B5E76C}"/>
-          </ac:spMkLst>
-        </pc:spChg>
-        <pc:spChg chg="mod">
-          <ac:chgData name="Matt Ruwe" userId="4c346f6edf4e069e" providerId="LiveId" clId="{62783A01-0E98-4A02-A197-B9942A9C449A}" dt="2019-12-17T14:19:24.427" v="792" actId="20577"/>
-          <ac:spMkLst>
-            <pc:docMk/>
-            <pc:sldMk cId="177934680" sldId="258"/>
-            <ac:spMk id="3" creationId="{2328008A-D7BF-42B5-AE68-3FA897B091AB}"/>
-          </ac:spMkLst>
-        </pc:spChg>
-      </pc:sldChg>
-      <pc:sldChg chg="modSp add">
-        <pc:chgData name="Matt Ruwe" userId="4c346f6edf4e069e" providerId="LiveId" clId="{62783A01-0E98-4A02-A197-B9942A9C449A}" dt="2019-12-16T18:36:44.942" v="124"/>
-        <pc:sldMkLst>
-          <pc:docMk/>
-          <pc:sldMk cId="286579446" sldId="259"/>
-        </pc:sldMkLst>
-        <pc:spChg chg="mod">
-          <ac:chgData name="Matt Ruwe" userId="4c346f6edf4e069e" providerId="LiveId" clId="{62783A01-0E98-4A02-A197-B9942A9C449A}" dt="2019-12-16T18:33:29.429" v="62" actId="20577"/>
-          <ac:spMkLst>
-            <pc:docMk/>
-            <pc:sldMk cId="286579446" sldId="259"/>
-            <ac:spMk id="2" creationId="{39EA3425-700B-4EED-A4A8-918D664C8006}"/>
-          </ac:spMkLst>
-        </pc:spChg>
-        <pc:spChg chg="mod">
-          <ac:chgData name="Matt Ruwe" userId="4c346f6edf4e069e" providerId="LiveId" clId="{62783A01-0E98-4A02-A197-B9942A9C449A}" dt="2019-12-16T18:36:44.942" v="124"/>
-          <ac:spMkLst>
-            <pc:docMk/>
-            <pc:sldMk cId="286579446" sldId="259"/>
-            <ac:spMk id="3" creationId="{1E2C7DB5-2536-47AE-8993-B66E4291FB65}"/>
-          </ac:spMkLst>
-        </pc:spChg>
-      </pc:sldChg>
-      <pc:sldChg chg="addSp delSp modSp add">
-        <pc:chgData name="Matt Ruwe" userId="4c346f6edf4e069e" providerId="LiveId" clId="{62783A01-0E98-4A02-A197-B9942A9C449A}" dt="2019-12-17T14:27:31.636" v="971" actId="20577"/>
-        <pc:sldMkLst>
-          <pc:docMk/>
-          <pc:sldMk cId="1123621762" sldId="260"/>
-        </pc:sldMkLst>
-        <pc:spChg chg="mod">
-          <ac:chgData name="Matt Ruwe" userId="4c346f6edf4e069e" providerId="LiveId" clId="{62783A01-0E98-4A02-A197-B9942A9C449A}" dt="2019-12-17T14:27:31.636" v="971" actId="20577"/>
-          <ac:spMkLst>
-            <pc:docMk/>
-            <pc:sldMk cId="1123621762" sldId="260"/>
-            <ac:spMk id="2" creationId="{DA7264DC-7D4E-4169-832C-D824DBB570C3}"/>
-          </ac:spMkLst>
-        </pc:spChg>
-        <pc:spChg chg="del mod">
-          <ac:chgData name="Matt Ruwe" userId="4c346f6edf4e069e" providerId="LiveId" clId="{62783A01-0E98-4A02-A197-B9942A9C449A}" dt="2019-12-17T14:22:15.016" v="856" actId="478"/>
-          <ac:spMkLst>
-            <pc:docMk/>
-            <pc:sldMk cId="1123621762" sldId="260"/>
-            <ac:spMk id="3" creationId="{287D9CF3-C6C8-4CAD-A0D9-22AF62D2CC30}"/>
-          </ac:spMkLst>
-        </pc:spChg>
-        <pc:spChg chg="add mod">
-          <ac:chgData name="Matt Ruwe" userId="4c346f6edf4e069e" providerId="LiveId" clId="{62783A01-0E98-4A02-A197-B9942A9C449A}" dt="2019-12-17T14:27:25.578" v="970" actId="1076"/>
-          <ac:spMkLst>
-            <pc:docMk/>
-            <pc:sldMk cId="1123621762" sldId="260"/>
-            <ac:spMk id="4" creationId="{C98FA397-B6B8-403D-B5C1-41FF0D995EED}"/>
-          </ac:spMkLst>
-        </pc:spChg>
-        <pc:spChg chg="add mod">
-          <ac:chgData name="Matt Ruwe" userId="4c346f6edf4e069e" providerId="LiveId" clId="{62783A01-0E98-4A02-A197-B9942A9C449A}" dt="2019-12-17T14:27:25.578" v="970" actId="1076"/>
-          <ac:spMkLst>
-            <pc:docMk/>
-            <pc:sldMk cId="1123621762" sldId="260"/>
-            <ac:spMk id="8" creationId="{A5140A35-089E-4F3D-AC65-EC37D8EAFFFF}"/>
-          </ac:spMkLst>
-        </pc:spChg>
-        <pc:spChg chg="add mod">
-          <ac:chgData name="Matt Ruwe" userId="4c346f6edf4e069e" providerId="LiveId" clId="{62783A01-0E98-4A02-A197-B9942A9C449A}" dt="2019-12-17T14:27:25.578" v="970" actId="1076"/>
-          <ac:spMkLst>
-            <pc:docMk/>
-            <pc:sldMk cId="1123621762" sldId="260"/>
-            <ac:spMk id="10" creationId="{D8A23F5B-8322-4F98-A81E-5FD707312E4A}"/>
-          </ac:spMkLst>
-        </pc:spChg>
-        <pc:spChg chg="add mod">
-          <ac:chgData name="Matt Ruwe" userId="4c346f6edf4e069e" providerId="LiveId" clId="{62783A01-0E98-4A02-A197-B9942A9C449A}" dt="2019-12-17T14:27:04.896" v="969" actId="20577"/>
-          <ac:spMkLst>
-            <pc:docMk/>
-            <pc:sldMk cId="1123621762" sldId="260"/>
-            <ac:spMk id="12" creationId="{5F5A725C-1D84-4E9A-BBF1-2F2642650B1C}"/>
-          </ac:spMkLst>
-        </pc:spChg>
-        <pc:picChg chg="add del mod">
-          <ac:chgData name="Matt Ruwe" userId="4c346f6edf4e069e" providerId="LiveId" clId="{62783A01-0E98-4A02-A197-B9942A9C449A}" dt="2019-12-17T14:20:45.430" v="795" actId="478"/>
-          <ac:picMkLst>
-            <pc:docMk/>
-            <pc:sldMk cId="1123621762" sldId="260"/>
-            <ac:picMk id="1026" creationId="{CC2511BC-C154-4BDE-8F43-3326147F453F}"/>
-          </ac:picMkLst>
-        </pc:picChg>
-        <pc:picChg chg="add mod">
-          <ac:chgData name="Matt Ruwe" userId="4c346f6edf4e069e" providerId="LiveId" clId="{62783A01-0E98-4A02-A197-B9942A9C449A}" dt="2019-12-17T14:27:25.578" v="970" actId="1076"/>
-          <ac:picMkLst>
-            <pc:docMk/>
-            <pc:sldMk cId="1123621762" sldId="260"/>
-            <ac:picMk id="1028" creationId="{D6EEEB81-5EFF-47E2-893C-FAB49A137F96}"/>
-          </ac:picMkLst>
-        </pc:picChg>
-        <pc:picChg chg="add mod">
-          <ac:chgData name="Matt Ruwe" userId="4c346f6edf4e069e" providerId="LiveId" clId="{62783A01-0E98-4A02-A197-B9942A9C449A}" dt="2019-12-17T14:27:25.578" v="970" actId="1076"/>
-          <ac:picMkLst>
-            <pc:docMk/>
-            <pc:sldMk cId="1123621762" sldId="260"/>
-            <ac:picMk id="1030" creationId="{1356CEAA-CC66-4CCD-B8A9-1461AB7B468A}"/>
-          </ac:picMkLst>
-        </pc:picChg>
-        <pc:picChg chg="add mod">
-          <ac:chgData name="Matt Ruwe" userId="4c346f6edf4e069e" providerId="LiveId" clId="{62783A01-0E98-4A02-A197-B9942A9C449A}" dt="2019-12-17T14:27:25.578" v="970" actId="1076"/>
-          <ac:picMkLst>
-            <pc:docMk/>
-            <pc:sldMk cId="1123621762" sldId="260"/>
-            <ac:picMk id="1032" creationId="{A7F4A46D-5E1B-419E-87DA-CA7424214CE3}"/>
-          </ac:picMkLst>
-        </pc:picChg>
-        <pc:picChg chg="add mod">
-          <ac:chgData name="Matt Ruwe" userId="4c346f6edf4e069e" providerId="LiveId" clId="{62783A01-0E98-4A02-A197-B9942A9C449A}" dt="2019-12-17T14:26:50.589" v="941" actId="1076"/>
-          <ac:picMkLst>
-            <pc:docMk/>
-            <pc:sldMk cId="1123621762" sldId="260"/>
-            <ac:picMk id="1034" creationId="{A17F22DF-9BD3-470A-AF26-006978284022}"/>
-          </ac:picMkLst>
-        </pc:picChg>
-      </pc:sldChg>
-      <pc:sldChg chg="modTransition">
-        <pc:chgData name="Matt Ruwe" userId="4c346f6edf4e069e" providerId="LiveId" clId="{62783A01-0E98-4A02-A197-B9942A9C449A}" dt="2020-01-15T17:05:23.536" v="2122"/>
-        <pc:sldMkLst>
-          <pc:docMk/>
-          <pc:sldMk cId="1249041938" sldId="265"/>
-        </pc:sldMkLst>
-      </pc:sldChg>
-      <pc:sldChg chg="modSp add">
-        <pc:chgData name="Matt Ruwe" userId="4c346f6edf4e069e" providerId="LiveId" clId="{62783A01-0E98-4A02-A197-B9942A9C449A}" dt="2020-01-15T16:52:44.166" v="1335" actId="20577"/>
-        <pc:sldMkLst>
-          <pc:docMk/>
-          <pc:sldMk cId="351141363" sldId="266"/>
-        </pc:sldMkLst>
-        <pc:spChg chg="mod">
-          <ac:chgData name="Matt Ruwe" userId="4c346f6edf4e069e" providerId="LiveId" clId="{62783A01-0E98-4A02-A197-B9942A9C449A}" dt="2020-01-15T16:51:08.219" v="984" actId="20577"/>
-          <ac:spMkLst>
-            <pc:docMk/>
-            <pc:sldMk cId="351141363" sldId="266"/>
-            <ac:spMk id="2" creationId="{DFCD8CD3-87D7-4F05-AC81-AD6AC8EF0193}"/>
-          </ac:spMkLst>
-        </pc:spChg>
-        <pc:spChg chg="mod">
-          <ac:chgData name="Matt Ruwe" userId="4c346f6edf4e069e" providerId="LiveId" clId="{62783A01-0E98-4A02-A197-B9942A9C449A}" dt="2020-01-15T16:52:44.166" v="1335" actId="20577"/>
-          <ac:spMkLst>
-            <pc:docMk/>
-            <pc:sldMk cId="351141363" sldId="266"/>
-            <ac:spMk id="3" creationId="{D460A44C-C67E-4EDD-9C31-537F957E5F7C}"/>
-          </ac:spMkLst>
-        </pc:spChg>
-      </pc:sldChg>
-      <pc:sldChg chg="modSp add">
-        <pc:chgData name="Matt Ruwe" userId="4c346f6edf4e069e" providerId="LiveId" clId="{62783A01-0E98-4A02-A197-B9942A9C449A}" dt="2020-01-15T17:06:40.152" v="2161" actId="20577"/>
-        <pc:sldMkLst>
-          <pc:docMk/>
-          <pc:sldMk cId="1607596757" sldId="267"/>
-        </pc:sldMkLst>
-        <pc:spChg chg="mod">
-          <ac:chgData name="Matt Ruwe" userId="4c346f6edf4e069e" providerId="LiveId" clId="{62783A01-0E98-4A02-A197-B9942A9C449A}" dt="2020-01-15T16:52:54.393" v="1364" actId="20577"/>
-          <ac:spMkLst>
-            <pc:docMk/>
-            <pc:sldMk cId="1607596757" sldId="267"/>
-            <ac:spMk id="2" creationId="{F435A3AC-77D4-430E-91CC-7EDE9B9065B3}"/>
-          </ac:spMkLst>
-        </pc:spChg>
-        <pc:spChg chg="mod">
-          <ac:chgData name="Matt Ruwe" userId="4c346f6edf4e069e" providerId="LiveId" clId="{62783A01-0E98-4A02-A197-B9942A9C449A}" dt="2020-01-15T17:06:40.152" v="2161" actId="20577"/>
-          <ac:spMkLst>
-            <pc:docMk/>
-            <pc:sldMk cId="1607596757" sldId="267"/>
-            <ac:spMk id="3" creationId="{B338CC18-2596-498A-BD17-993522ECCE00}"/>
-          </ac:spMkLst>
-        </pc:spChg>
-      </pc:sldChg>
-      <pc:sldChg chg="modSp add">
-        <pc:chgData name="Matt Ruwe" userId="4c346f6edf4e069e" providerId="LiveId" clId="{62783A01-0E98-4A02-A197-B9942A9C449A}" dt="2020-01-15T16:57:06.873" v="2018" actId="20577"/>
-        <pc:sldMkLst>
-          <pc:docMk/>
-          <pc:sldMk cId="3900764685" sldId="268"/>
-        </pc:sldMkLst>
-        <pc:spChg chg="mod">
-          <ac:chgData name="Matt Ruwe" userId="4c346f6edf4e069e" providerId="LiveId" clId="{62783A01-0E98-4A02-A197-B9942A9C449A}" dt="2020-01-15T16:56:23.169" v="1919" actId="20577"/>
-          <ac:spMkLst>
-            <pc:docMk/>
-            <pc:sldMk cId="3900764685" sldId="268"/>
-            <ac:spMk id="2" creationId="{D8C3849B-6A91-492E-AF9B-23079F20679B}"/>
-          </ac:spMkLst>
-        </pc:spChg>
-        <pc:spChg chg="mod">
-          <ac:chgData name="Matt Ruwe" userId="4c346f6edf4e069e" providerId="LiveId" clId="{62783A01-0E98-4A02-A197-B9942A9C449A}" dt="2020-01-15T16:57:06.873" v="2018" actId="20577"/>
-          <ac:spMkLst>
-            <pc:docMk/>
-            <pc:sldMk cId="3900764685" sldId="268"/>
-            <ac:spMk id="3" creationId="{DFC48292-216C-485F-973C-0585D08578C4}"/>
-          </ac:spMkLst>
-        </pc:spChg>
-      </pc:sldChg>
-      <pc:sldChg chg="modSp add">
-        <pc:chgData name="Matt Ruwe" userId="4c346f6edf4e069e" providerId="LiveId" clId="{62783A01-0E98-4A02-A197-B9942A9C449A}" dt="2020-01-15T16:57:41.676" v="2121" actId="20577"/>
-        <pc:sldMkLst>
-          <pc:docMk/>
-          <pc:sldMk cId="3943942514" sldId="269"/>
-        </pc:sldMkLst>
-        <pc:spChg chg="mod">
-          <ac:chgData name="Matt Ruwe" userId="4c346f6edf4e069e" providerId="LiveId" clId="{62783A01-0E98-4A02-A197-B9942A9C449A}" dt="2020-01-15T16:57:19.273" v="2032" actId="20577"/>
-          <ac:spMkLst>
-            <pc:docMk/>
-            <pc:sldMk cId="3943942514" sldId="269"/>
-            <ac:spMk id="2" creationId="{5A7882CE-4DA6-46A4-BFD3-A60DB49E1CB5}"/>
-          </ac:spMkLst>
-        </pc:spChg>
-        <pc:spChg chg="mod">
-          <ac:chgData name="Matt Ruwe" userId="4c346f6edf4e069e" providerId="LiveId" clId="{62783A01-0E98-4A02-A197-B9942A9C449A}" dt="2020-01-15T16:57:41.676" v="2121" actId="20577"/>
-          <ac:spMkLst>
-            <pc:docMk/>
-            <pc:sldMk cId="3943942514" sldId="269"/>
-            <ac:spMk id="3" creationId="{F92CD8B6-08D7-42ED-B203-FB597372AA6D}"/>
-          </ac:spMkLst>
-        </pc:spChg>
-      </pc:sldChg>
-    </pc:docChg>
-  </pc:docChgLst>
-</pc:chgInfo>
-</file>
-
 <file path=ppt/notesMasters/notesMaster1.xml><?xml version="1.0" encoding="utf-8"?>
 <p:notesMaster xmlns:a="http://schemas.openxmlformats.org/drawingml/2006/main" xmlns:r="http://schemas.openxmlformats.org/officeDocument/2006/relationships" xmlns:p="http://schemas.openxmlformats.org/presentationml/2006/main">
   <p:cSld>
@@ -751,7 +219,7 @@
           <a:p>
             <a:fld id="{A383FA4A-B3EE-4636-A4BE-0CA7941B791D}" type="datetimeFigureOut">
               <a:rPr lang="en-US" smtClean="0"/>
-              <a:t>1/15/2020</a:t>
+              <a:t>1/23/2020</a:t>
             </a:fld>
             <a:endParaRPr lang="en-US"/>
           </a:p>
@@ -1309,7 +777,7 @@
           <a:p>
             <a:fld id="{BC2EA4E5-7CCA-4E6B-8839-776301DF02FF}" type="datetimeFigureOut">
               <a:rPr lang="en-US" smtClean="0"/>
-              <a:t>1/15/2020</a:t>
+              <a:t>1/23/2020</a:t>
             </a:fld>
             <a:endParaRPr lang="en-US"/>
           </a:p>
@@ -1507,7 +975,7 @@
           <a:p>
             <a:fld id="{BC2EA4E5-7CCA-4E6B-8839-776301DF02FF}" type="datetimeFigureOut">
               <a:rPr lang="en-US" smtClean="0"/>
-              <a:t>1/15/2020</a:t>
+              <a:t>1/23/2020</a:t>
             </a:fld>
             <a:endParaRPr lang="en-US"/>
           </a:p>
@@ -1715,7 +1183,7 @@
           <a:p>
             <a:fld id="{BC2EA4E5-7CCA-4E6B-8839-776301DF02FF}" type="datetimeFigureOut">
               <a:rPr lang="en-US" smtClean="0"/>
-              <a:t>1/15/2020</a:t>
+              <a:t>1/23/2020</a:t>
             </a:fld>
             <a:endParaRPr lang="en-US"/>
           </a:p>
@@ -1913,7 +1381,7 @@
           <a:p>
             <a:fld id="{BC2EA4E5-7CCA-4E6B-8839-776301DF02FF}" type="datetimeFigureOut">
               <a:rPr lang="en-US" smtClean="0"/>
-              <a:t>1/15/2020</a:t>
+              <a:t>1/23/2020</a:t>
             </a:fld>
             <a:endParaRPr lang="en-US"/>
           </a:p>
@@ -2188,7 +1656,7 @@
           <a:p>
             <a:fld id="{BC2EA4E5-7CCA-4E6B-8839-776301DF02FF}" type="datetimeFigureOut">
               <a:rPr lang="en-US" smtClean="0"/>
-              <a:t>1/15/2020</a:t>
+              <a:t>1/23/2020</a:t>
             </a:fld>
             <a:endParaRPr lang="en-US"/>
           </a:p>
@@ -2453,7 +1921,7 @@
           <a:p>
             <a:fld id="{BC2EA4E5-7CCA-4E6B-8839-776301DF02FF}" type="datetimeFigureOut">
               <a:rPr lang="en-US" smtClean="0"/>
-              <a:t>1/15/2020</a:t>
+              <a:t>1/23/2020</a:t>
             </a:fld>
             <a:endParaRPr lang="en-US"/>
           </a:p>
@@ -2865,7 +2333,7 @@
           <a:p>
             <a:fld id="{BC2EA4E5-7CCA-4E6B-8839-776301DF02FF}" type="datetimeFigureOut">
               <a:rPr lang="en-US" smtClean="0"/>
-              <a:t>1/15/2020</a:t>
+              <a:t>1/23/2020</a:t>
             </a:fld>
             <a:endParaRPr lang="en-US"/>
           </a:p>
@@ -3006,7 +2474,7 @@
           <a:p>
             <a:fld id="{BC2EA4E5-7CCA-4E6B-8839-776301DF02FF}" type="datetimeFigureOut">
               <a:rPr lang="en-US" smtClean="0"/>
-              <a:t>1/15/2020</a:t>
+              <a:t>1/23/2020</a:t>
             </a:fld>
             <a:endParaRPr lang="en-US"/>
           </a:p>
@@ -3119,7 +2587,7 @@
           <a:p>
             <a:fld id="{BC2EA4E5-7CCA-4E6B-8839-776301DF02FF}" type="datetimeFigureOut">
               <a:rPr lang="en-US" smtClean="0"/>
-              <a:t>1/15/2020</a:t>
+              <a:t>1/23/2020</a:t>
             </a:fld>
             <a:endParaRPr lang="en-US"/>
           </a:p>
@@ -3430,7 +2898,7 @@
           <a:p>
             <a:fld id="{BC2EA4E5-7CCA-4E6B-8839-776301DF02FF}" type="datetimeFigureOut">
               <a:rPr lang="en-US" smtClean="0"/>
-              <a:t>1/15/2020</a:t>
+              <a:t>1/23/2020</a:t>
             </a:fld>
             <a:endParaRPr lang="en-US"/>
           </a:p>
@@ -3718,7 +3186,7 @@
           <a:p>
             <a:fld id="{BC2EA4E5-7CCA-4E6B-8839-776301DF02FF}" type="datetimeFigureOut">
               <a:rPr lang="en-US" smtClean="0"/>
-              <a:t>1/15/2020</a:t>
+              <a:t>1/23/2020</a:t>
             </a:fld>
             <a:endParaRPr lang="en-US"/>
           </a:p>
@@ -3959,7 +3427,7 @@
           <a:p>
             <a:fld id="{BC2EA4E5-7CCA-4E6B-8839-776301DF02FF}" type="datetimeFigureOut">
               <a:rPr lang="en-US" smtClean="0"/>
-              <a:t>1/15/2020</a:t>
+              <a:t>1/23/2020</a:t>
             </a:fld>
             <a:endParaRPr lang="en-US"/>
           </a:p>
@@ -4943,7 +4411,7 @@
           <p:cNvPr id="2" name="Title 1">
             <a:extLst>
               <a:ext uri="{FF2B5EF4-FFF2-40B4-BE49-F238E27FC236}">
-                <a16:creationId xmlns:a16="http://schemas.microsoft.com/office/drawing/2014/main" id="{F435A3AC-77D4-430E-91CC-7EDE9B9065B3}"/>
+                <a16:creationId xmlns:a16="http://schemas.microsoft.com/office/drawing/2014/main" id="{DFCD8CD3-87D7-4F05-AC81-AD6AC8EF0193}"/>
               </a:ext>
             </a:extLst>
           </p:cNvPr>
@@ -4961,7 +4429,7 @@
           <a:p>
             <a:r>
               <a:rPr lang="en-US" dirty="0"/>
-              <a:t>Architectural Patterns</a:t>
+              <a:t>Exceptions</a:t>
             </a:r>
           </a:p>
         </p:txBody>
@@ -4971,7 +4439,7 @@
           <p:cNvPr id="3" name="Content Placeholder 2">
             <a:extLst>
               <a:ext uri="{FF2B5EF4-FFF2-40B4-BE49-F238E27FC236}">
-                <a16:creationId xmlns:a16="http://schemas.microsoft.com/office/drawing/2014/main" id="{B338CC18-2596-498A-BD17-993522ECCE00}"/>
+                <a16:creationId xmlns:a16="http://schemas.microsoft.com/office/drawing/2014/main" id="{D460A44C-C67E-4EDD-9C31-537F957E5F7C}"/>
               </a:ext>
             </a:extLst>
           </p:cNvPr>
@@ -4989,50 +4457,19 @@
           <a:p>
             <a:r>
               <a:rPr lang="en-US" dirty="0"/>
-              <a:t>Patterns should define the pit of success.  Developers should naturally fall into successful approaches because the architecture leads them this way</a:t>
-            </a:r>
-          </a:p>
-          <a:p>
-            <a:pPr lvl="1"/>
-            <a:r>
-              <a:rPr lang="en-US" dirty="0"/>
-              <a:t>Projects references</a:t>
-            </a:r>
-          </a:p>
-          <a:p>
-            <a:pPr lvl="2"/>
-            <a:r>
-              <a:rPr lang="en-US" dirty="0"/>
-              <a:t>Projects provide scoping for classes and provide protections due to limitations on circular references</a:t>
-            </a:r>
-          </a:p>
-          <a:p>
-            <a:pPr lvl="1"/>
-            <a:r>
-              <a:rPr lang="en-US" dirty="0"/>
-              <a:t>Internal types</a:t>
-            </a:r>
-          </a:p>
-          <a:p>
-            <a:pPr lvl="2"/>
-            <a:r>
-              <a:rPr lang="en-US" dirty="0"/>
-              <a:t>Types should have an internal accessibility when they aren’t intended to be used outside the scope of the assembly</a:t>
-            </a:r>
-          </a:p>
-          <a:p>
-            <a:pPr lvl="1"/>
-            <a:r>
-              <a:rPr lang="en-US" dirty="0"/>
-              <a:t>Use new C# </a:t>
-            </a:r>
-            <a:r>
-              <a:rPr lang="en-US"/>
-              <a:t>feature for nullable </a:t>
-            </a:r>
-            <a:r>
-              <a:rPr lang="en-US" dirty="0"/>
-              <a:t>types</a:t>
+              <a:t>Exceptions need to provide enough detail to help solve problems.  </a:t>
+            </a:r>
+          </a:p>
+          <a:p>
+            <a:r>
+              <a:rPr lang="en-US" dirty="0"/>
+              <a:t>If the information is deemed security sensitive, it should be logged and referenced in the error message</a:t>
+            </a:r>
+          </a:p>
+          <a:p>
+            <a:r>
+              <a:rPr lang="en-US" dirty="0"/>
+              <a:t>Exceptions should provide insight about how to solve potential errors.  This is especially useful in shared libraries.</a:t>
             </a:r>
           </a:p>
         </p:txBody>
@@ -5040,7 +4477,7 @@
     </p:spTree>
     <p:extLst>
       <p:ext uri="{BB962C8B-B14F-4D97-AF65-F5344CB8AC3E}">
-        <p14:creationId xmlns:p14="http://schemas.microsoft.com/office/powerpoint/2010/main" val="1607596757"/>
+        <p14:creationId xmlns:p14="http://schemas.microsoft.com/office/powerpoint/2010/main" val="351141363"/>
       </p:ext>
     </p:extLst>
   </p:cSld>
@@ -5072,7 +4509,7 @@
           <p:cNvPr id="2" name="Title 1">
             <a:extLst>
               <a:ext uri="{FF2B5EF4-FFF2-40B4-BE49-F238E27FC236}">
-                <a16:creationId xmlns:a16="http://schemas.microsoft.com/office/drawing/2014/main" id="{D8C3849B-6A91-492E-AF9B-23079F20679B}"/>
+                <a16:creationId xmlns:a16="http://schemas.microsoft.com/office/drawing/2014/main" id="{F435A3AC-77D4-430E-91CC-7EDE9B9065B3}"/>
               </a:ext>
             </a:extLst>
           </p:cNvPr>
@@ -5090,7 +4527,7 @@
           <a:p>
             <a:r>
               <a:rPr lang="en-US" dirty="0"/>
-              <a:t>Code Generation</a:t>
+              <a:t>Architectural Patterns</a:t>
             </a:r>
           </a:p>
         </p:txBody>
@@ -5100,7 +4537,7 @@
           <p:cNvPr id="3" name="Content Placeholder 2">
             <a:extLst>
               <a:ext uri="{FF2B5EF4-FFF2-40B4-BE49-F238E27FC236}">
-                <a16:creationId xmlns:a16="http://schemas.microsoft.com/office/drawing/2014/main" id="{DFC48292-216C-485F-973C-0585D08578C4}"/>
+                <a16:creationId xmlns:a16="http://schemas.microsoft.com/office/drawing/2014/main" id="{B338CC18-2596-498A-BD17-993522ECCE00}"/>
               </a:ext>
             </a:extLst>
           </p:cNvPr>
@@ -5118,7 +4555,50 @@
           <a:p>
             <a:r>
               <a:rPr lang="en-US" dirty="0"/>
-              <a:t>Use code generation where possible to eliminate that need to create boilerplate code</a:t>
+              <a:t>Patterns should define the pit of success.  Developers should naturally fall into successful approaches because the architecture leads them this way</a:t>
+            </a:r>
+          </a:p>
+          <a:p>
+            <a:pPr lvl="1"/>
+            <a:r>
+              <a:rPr lang="en-US" dirty="0"/>
+              <a:t>Projects references</a:t>
+            </a:r>
+          </a:p>
+          <a:p>
+            <a:pPr lvl="2"/>
+            <a:r>
+              <a:rPr lang="en-US" dirty="0"/>
+              <a:t>Projects provide scoping for classes and provide protections due to limitations on circular references</a:t>
+            </a:r>
+          </a:p>
+          <a:p>
+            <a:pPr lvl="1"/>
+            <a:r>
+              <a:rPr lang="en-US" dirty="0"/>
+              <a:t>Internal types</a:t>
+            </a:r>
+          </a:p>
+          <a:p>
+            <a:pPr lvl="2"/>
+            <a:r>
+              <a:rPr lang="en-US" dirty="0"/>
+              <a:t>Types should have an internal accessibility when they aren’t intended to be used outside the scope of the assembly</a:t>
+            </a:r>
+          </a:p>
+          <a:p>
+            <a:pPr lvl="1"/>
+            <a:r>
+              <a:rPr lang="en-US" dirty="0"/>
+              <a:t>Use new C# </a:t>
+            </a:r>
+            <a:r>
+              <a:rPr lang="en-US"/>
+              <a:t>feature for nullable </a:t>
+            </a:r>
+            <a:r>
+              <a:rPr lang="en-US" dirty="0"/>
+              <a:t>types</a:t>
             </a:r>
           </a:p>
         </p:txBody>
@@ -5126,7 +4606,7 @@
     </p:spTree>
     <p:extLst>
       <p:ext uri="{BB962C8B-B14F-4D97-AF65-F5344CB8AC3E}">
-        <p14:creationId xmlns:p14="http://schemas.microsoft.com/office/powerpoint/2010/main" val="3900764685"/>
+        <p14:creationId xmlns:p14="http://schemas.microsoft.com/office/powerpoint/2010/main" val="1607596757"/>
       </p:ext>
     </p:extLst>
   </p:cSld>
@@ -5158,7 +4638,7 @@
           <p:cNvPr id="2" name="Title 1">
             <a:extLst>
               <a:ext uri="{FF2B5EF4-FFF2-40B4-BE49-F238E27FC236}">
-                <a16:creationId xmlns:a16="http://schemas.microsoft.com/office/drawing/2014/main" id="{5A7882CE-4DA6-46A4-BFD3-A60DB49E1CB5}"/>
+                <a16:creationId xmlns:a16="http://schemas.microsoft.com/office/drawing/2014/main" id="{D8C3849B-6A91-492E-AF9B-23079F20679B}"/>
               </a:ext>
             </a:extLst>
           </p:cNvPr>
@@ -5176,7 +4656,7 @@
           <a:p>
             <a:r>
               <a:rPr lang="en-US" dirty="0"/>
-              <a:t>Code Analysis</a:t>
+              <a:t>Code Generation</a:t>
             </a:r>
           </a:p>
         </p:txBody>
@@ -5186,7 +4666,7 @@
           <p:cNvPr id="3" name="Content Placeholder 2">
             <a:extLst>
               <a:ext uri="{FF2B5EF4-FFF2-40B4-BE49-F238E27FC236}">
-                <a16:creationId xmlns:a16="http://schemas.microsoft.com/office/drawing/2014/main" id="{F92CD8B6-08D7-42ED-B203-FB597372AA6D}"/>
+                <a16:creationId xmlns:a16="http://schemas.microsoft.com/office/drawing/2014/main" id="{DFC48292-216C-485F-973C-0585D08578C4}"/>
               </a:ext>
             </a:extLst>
           </p:cNvPr>
@@ -5204,7 +4684,7 @@
           <a:p>
             <a:r>
               <a:rPr lang="en-US" dirty="0"/>
-              <a:t>Use code analysis to address any problems that aren’t covered by the previous topics</a:t>
+              <a:t>Use code generation where possible to eliminate that need to create boilerplate code</a:t>
             </a:r>
           </a:p>
         </p:txBody>
@@ -5212,7 +4692,7 @@
     </p:spTree>
     <p:extLst>
       <p:ext uri="{BB962C8B-B14F-4D97-AF65-F5344CB8AC3E}">
-        <p14:creationId xmlns:p14="http://schemas.microsoft.com/office/powerpoint/2010/main" val="3943942514"/>
+        <p14:creationId xmlns:p14="http://schemas.microsoft.com/office/powerpoint/2010/main" val="3900764685"/>
       </p:ext>
     </p:extLst>
   </p:cSld>
@@ -5244,6 +4724,92 @@
           <p:cNvPr id="2" name="Title 1">
             <a:extLst>
               <a:ext uri="{FF2B5EF4-FFF2-40B4-BE49-F238E27FC236}">
+                <a16:creationId xmlns:a16="http://schemas.microsoft.com/office/drawing/2014/main" id="{5A7882CE-4DA6-46A4-BFD3-A60DB49E1CB5}"/>
+              </a:ext>
+            </a:extLst>
+          </p:cNvPr>
+          <p:cNvSpPr>
+            <a:spLocks noGrp="1"/>
+          </p:cNvSpPr>
+          <p:nvPr>
+            <p:ph type="title"/>
+          </p:nvPr>
+        </p:nvSpPr>
+        <p:spPr/>
+        <p:txBody>
+          <a:bodyPr/>
+          <a:lstStyle/>
+          <a:p>
+            <a:r>
+              <a:rPr lang="en-US" dirty="0"/>
+              <a:t>Code Analysis</a:t>
+            </a:r>
+          </a:p>
+        </p:txBody>
+      </p:sp>
+      <p:sp>
+        <p:nvSpPr>
+          <p:cNvPr id="3" name="Content Placeholder 2">
+            <a:extLst>
+              <a:ext uri="{FF2B5EF4-FFF2-40B4-BE49-F238E27FC236}">
+                <a16:creationId xmlns:a16="http://schemas.microsoft.com/office/drawing/2014/main" id="{F92CD8B6-08D7-42ED-B203-FB597372AA6D}"/>
+              </a:ext>
+            </a:extLst>
+          </p:cNvPr>
+          <p:cNvSpPr>
+            <a:spLocks noGrp="1"/>
+          </p:cNvSpPr>
+          <p:nvPr>
+            <p:ph idx="1"/>
+          </p:nvPr>
+        </p:nvSpPr>
+        <p:spPr/>
+        <p:txBody>
+          <a:bodyPr/>
+          <a:lstStyle/>
+          <a:p>
+            <a:r>
+              <a:rPr lang="en-US" dirty="0"/>
+              <a:t>Use code analysis to address any problems that aren’t covered by the previous topics</a:t>
+            </a:r>
+          </a:p>
+        </p:txBody>
+      </p:sp>
+    </p:spTree>
+    <p:extLst>
+      <p:ext uri="{BB962C8B-B14F-4D97-AF65-F5344CB8AC3E}">
+        <p14:creationId xmlns:p14="http://schemas.microsoft.com/office/powerpoint/2010/main" val="3943942514"/>
+      </p:ext>
+    </p:extLst>
+  </p:cSld>
+  <p:clrMapOvr>
+    <a:masterClrMapping/>
+  </p:clrMapOvr>
+</p:sld>
+</file>
+
+<file path=ppt/slides/slide14.xml><?xml version="1.0" encoding="utf-8"?>
+<p:sld xmlns:a="http://schemas.openxmlformats.org/drawingml/2006/main" xmlns:r="http://schemas.openxmlformats.org/officeDocument/2006/relationships" xmlns:p="http://schemas.openxmlformats.org/presentationml/2006/main">
+  <p:cSld>
+    <p:spTree>
+      <p:nvGrpSpPr>
+        <p:cNvPr id="1" name=""/>
+        <p:cNvGrpSpPr/>
+        <p:nvPr/>
+      </p:nvGrpSpPr>
+      <p:grpSpPr>
+        <a:xfrm>
+          <a:off x="0" y="0"/>
+          <a:ext cx="0" cy="0"/>
+          <a:chOff x="0" y="0"/>
+          <a:chExt cx="0" cy="0"/>
+        </a:xfrm>
+      </p:grpSpPr>
+      <p:sp>
+        <p:nvSpPr>
+          <p:cNvPr id="2" name="Title 1">
+            <a:extLst>
+              <a:ext uri="{FF2B5EF4-FFF2-40B4-BE49-F238E27FC236}">
                 <a16:creationId xmlns:a16="http://schemas.microsoft.com/office/drawing/2014/main" id="{DA7264DC-7D4E-4169-832C-D824DBB570C3}"/>
               </a:ext>
             </a:extLst>
@@ -5608,7 +5174,7 @@
 </p:sld>
 </file>
 
-<file path=ppt/slides/slide14.xml><?xml version="1.0" encoding="utf-8"?>
+<file path=ppt/slides/slide15.xml><?xml version="1.0" encoding="utf-8"?>
 <p:sld xmlns:a="http://schemas.openxmlformats.org/drawingml/2006/main" xmlns:r="http://schemas.openxmlformats.org/officeDocument/2006/relationships" xmlns:p="http://schemas.openxmlformats.org/presentationml/2006/main">
   <p:cSld>
     <p:spTree>
@@ -5917,7 +5483,7 @@
           <p:cNvPr id="2" name="Title 1">
             <a:extLst>
               <a:ext uri="{FF2B5EF4-FFF2-40B4-BE49-F238E27FC236}">
-                <a16:creationId xmlns:a16="http://schemas.microsoft.com/office/drawing/2014/main" id="{799C85EA-3275-4A0F-BFEF-D9CC6BFC05B5}"/>
+                <a16:creationId xmlns:a16="http://schemas.microsoft.com/office/drawing/2014/main" id="{A38A7A82-1CF5-4FA1-882C-6DD41C58B1FE}"/>
               </a:ext>
             </a:extLst>
           </p:cNvPr>
@@ -5928,14 +5494,19 @@
             <p:ph type="title"/>
           </p:nvPr>
         </p:nvSpPr>
-        <p:spPr/>
-        <p:txBody>
-          <a:bodyPr/>
-          <a:lstStyle/>
-          <a:p>
-            <a:r>
-              <a:rPr lang="en-US" dirty="0"/>
-              <a:t>Problems in Software Development</a:t>
+        <p:spPr>
+          <a:xfrm>
+            <a:off x="838200" y="365125"/>
+            <a:ext cx="10515600" cy="1325563"/>
+          </a:xfrm>
+        </p:spPr>
+        <p:txBody>
+          <a:bodyPr/>
+          <a:lstStyle/>
+          <a:p>
+            <a:r>
+              <a:rPr lang="en-US" dirty="0"/>
+              <a:t>Jerry</a:t>
             </a:r>
           </a:p>
         </p:txBody>
@@ -5945,7 +5516,7 @@
           <p:cNvPr id="3" name="Content Placeholder 2">
             <a:extLst>
               <a:ext uri="{FF2B5EF4-FFF2-40B4-BE49-F238E27FC236}">
-                <a16:creationId xmlns:a16="http://schemas.microsoft.com/office/drawing/2014/main" id="{006C8F0A-E336-49E5-BCF0-CA4E6043335D}"/>
+                <a16:creationId xmlns:a16="http://schemas.microsoft.com/office/drawing/2014/main" id="{19EEB765-CB82-4B55-B1DA-A38E1A0D58C4}"/>
               </a:ext>
             </a:extLst>
           </p:cNvPr>
@@ -5956,49 +5527,71 @@
             <p:ph idx="1"/>
           </p:nvPr>
         </p:nvSpPr>
-        <p:spPr/>
-        <p:txBody>
-          <a:bodyPr/>
-          <a:lstStyle/>
-          <a:p>
-            <a:r>
-              <a:rPr lang="en-US" dirty="0"/>
-              <a:t>Software is difficult to understand</a:t>
-            </a:r>
-          </a:p>
-          <a:p>
-            <a:r>
-              <a:rPr lang="en-US" dirty="0"/>
-              <a:t>Completed systems do not fulfil business needs</a:t>
-            </a:r>
-          </a:p>
-          <a:p>
-            <a:r>
-              <a:rPr lang="en-US" dirty="0"/>
-              <a:t>Completed systems are not performant</a:t>
-            </a:r>
-          </a:p>
-          <a:p>
-            <a:r>
-              <a:rPr lang="en-US" dirty="0"/>
-              <a:t>Problems are difficult to diagnose</a:t>
-            </a:r>
-          </a:p>
-          <a:p>
-            <a:r>
-              <a:rPr lang="en-US" dirty="0"/>
-              <a:t>Software is too difficult to change once released</a:t>
-            </a:r>
-          </a:p>
+        <p:spPr>
+          <a:xfrm>
+            <a:off x="838200" y="1825625"/>
+            <a:ext cx="5068614" cy="4351338"/>
+          </a:xfrm>
+        </p:spPr>
+        <p:txBody>
+          <a:bodyPr/>
+          <a:lstStyle/>
           <a:p>
             <a:endParaRPr lang="en-US" dirty="0"/>
           </a:p>
         </p:txBody>
       </p:sp>
+      <p:pic>
+        <p:nvPicPr>
+          <p:cNvPr id="1026" name="Picture 2" descr="Image result for cartoon developer">
+            <a:extLst>
+              <a:ext uri="{FF2B5EF4-FFF2-40B4-BE49-F238E27FC236}">
+                <a16:creationId xmlns:a16="http://schemas.microsoft.com/office/drawing/2014/main" id="{FA3B2AED-1174-4B85-95F6-F7CBBCEB1FC1}"/>
+              </a:ext>
+            </a:extLst>
+          </p:cNvPr>
+          <p:cNvPicPr>
+            <a:picLocks noChangeAspect="1" noChangeArrowheads="1"/>
+          </p:cNvPicPr>
+          <p:nvPr/>
+        </p:nvPicPr>
+        <p:blipFill>
+          <a:blip r:embed="rId2">
+            <a:extLst>
+              <a:ext uri="{28A0092B-C50C-407E-A947-70E740481C1C}">
+                <a14:useLocalDpi xmlns:a14="http://schemas.microsoft.com/office/drawing/2010/main" val="0"/>
+              </a:ext>
+            </a:extLst>
+          </a:blip>
+          <a:srcRect/>
+          <a:stretch>
+            <a:fillRect/>
+          </a:stretch>
+        </p:blipFill>
+        <p:spPr bwMode="auto">
+          <a:xfrm>
+            <a:off x="7517273" y="2554014"/>
+            <a:ext cx="4155121" cy="2665358"/>
+          </a:xfrm>
+          <a:prstGeom prst="rect">
+            <a:avLst/>
+          </a:prstGeom>
+          <a:noFill/>
+          <a:extLst>
+            <a:ext uri="{909E8E84-426E-40DD-AFC4-6F175D3DCCD1}">
+              <a14:hiddenFill xmlns:a14="http://schemas.microsoft.com/office/drawing/2010/main">
+                <a:solidFill>
+                  <a:srgbClr val="FFFFFF"/>
+                </a:solidFill>
+              </a14:hiddenFill>
+            </a:ext>
+          </a:extLst>
+        </p:spPr>
+      </p:pic>
     </p:spTree>
     <p:extLst>
       <p:ext uri="{BB962C8B-B14F-4D97-AF65-F5344CB8AC3E}">
-        <p14:creationId xmlns:p14="http://schemas.microsoft.com/office/powerpoint/2010/main" val="1407263760"/>
+        <p14:creationId xmlns:p14="http://schemas.microsoft.com/office/powerpoint/2010/main" val="390054756"/>
       </p:ext>
     </p:extLst>
   </p:cSld>
@@ -6030,6 +5623,119 @@
           <p:cNvPr id="2" name="Title 1">
             <a:extLst>
               <a:ext uri="{FF2B5EF4-FFF2-40B4-BE49-F238E27FC236}">
+                <a16:creationId xmlns:a16="http://schemas.microsoft.com/office/drawing/2014/main" id="{799C85EA-3275-4A0F-BFEF-D9CC6BFC05B5}"/>
+              </a:ext>
+            </a:extLst>
+          </p:cNvPr>
+          <p:cNvSpPr>
+            <a:spLocks noGrp="1"/>
+          </p:cNvSpPr>
+          <p:nvPr>
+            <p:ph type="title"/>
+          </p:nvPr>
+        </p:nvSpPr>
+        <p:spPr/>
+        <p:txBody>
+          <a:bodyPr/>
+          <a:lstStyle/>
+          <a:p>
+            <a:r>
+              <a:rPr lang="en-US" dirty="0"/>
+              <a:t>Problems in Software Development</a:t>
+            </a:r>
+          </a:p>
+        </p:txBody>
+      </p:sp>
+      <p:sp>
+        <p:nvSpPr>
+          <p:cNvPr id="3" name="Content Placeholder 2">
+            <a:extLst>
+              <a:ext uri="{FF2B5EF4-FFF2-40B4-BE49-F238E27FC236}">
+                <a16:creationId xmlns:a16="http://schemas.microsoft.com/office/drawing/2014/main" id="{006C8F0A-E336-49E5-BCF0-CA4E6043335D}"/>
+              </a:ext>
+            </a:extLst>
+          </p:cNvPr>
+          <p:cNvSpPr>
+            <a:spLocks noGrp="1"/>
+          </p:cNvSpPr>
+          <p:nvPr>
+            <p:ph idx="1"/>
+          </p:nvPr>
+        </p:nvSpPr>
+        <p:spPr/>
+        <p:txBody>
+          <a:bodyPr/>
+          <a:lstStyle/>
+          <a:p>
+            <a:r>
+              <a:rPr lang="en-US" dirty="0"/>
+              <a:t>Software is difficult to understand</a:t>
+            </a:r>
+          </a:p>
+          <a:p>
+            <a:r>
+              <a:rPr lang="en-US" dirty="0"/>
+              <a:t>Completed systems do not fulfil business needs</a:t>
+            </a:r>
+          </a:p>
+          <a:p>
+            <a:r>
+              <a:rPr lang="en-US" dirty="0"/>
+              <a:t>Completed systems are not performant</a:t>
+            </a:r>
+          </a:p>
+          <a:p>
+            <a:r>
+              <a:rPr lang="en-US" dirty="0"/>
+              <a:t>Problems are difficult to diagnose</a:t>
+            </a:r>
+          </a:p>
+          <a:p>
+            <a:r>
+              <a:rPr lang="en-US" dirty="0"/>
+              <a:t>Software is too difficult to change once released</a:t>
+            </a:r>
+          </a:p>
+          <a:p>
+            <a:endParaRPr lang="en-US" dirty="0"/>
+          </a:p>
+        </p:txBody>
+      </p:sp>
+    </p:spTree>
+    <p:extLst>
+      <p:ext uri="{BB962C8B-B14F-4D97-AF65-F5344CB8AC3E}">
+        <p14:creationId xmlns:p14="http://schemas.microsoft.com/office/powerpoint/2010/main" val="1407263760"/>
+      </p:ext>
+    </p:extLst>
+  </p:cSld>
+  <p:clrMapOvr>
+    <a:masterClrMapping/>
+  </p:clrMapOvr>
+</p:sld>
+</file>
+
+<file path=ppt/slides/slide5.xml><?xml version="1.0" encoding="utf-8"?>
+<p:sld xmlns:a="http://schemas.openxmlformats.org/drawingml/2006/main" xmlns:r="http://schemas.openxmlformats.org/officeDocument/2006/relationships" xmlns:p="http://schemas.openxmlformats.org/presentationml/2006/main">
+  <p:cSld>
+    <p:spTree>
+      <p:nvGrpSpPr>
+        <p:cNvPr id="1" name=""/>
+        <p:cNvGrpSpPr/>
+        <p:nvPr/>
+      </p:nvGrpSpPr>
+      <p:grpSpPr>
+        <a:xfrm>
+          <a:off x="0" y="0"/>
+          <a:ext cx="0" cy="0"/>
+          <a:chOff x="0" y="0"/>
+          <a:chExt cx="0" cy="0"/>
+        </a:xfrm>
+      </p:grpSpPr>
+      <p:sp>
+        <p:nvSpPr>
+          <p:cNvPr id="2" name="Title 1">
+            <a:extLst>
+              <a:ext uri="{FF2B5EF4-FFF2-40B4-BE49-F238E27FC236}">
                 <a16:creationId xmlns:a16="http://schemas.microsoft.com/office/drawing/2014/main" id="{B2631467-5210-4C9A-925A-9B81DBDCE5E2}"/>
               </a:ext>
             </a:extLst>
@@ -6112,7 +5818,7 @@
 </p:sld>
 </file>
 
-<file path=ppt/slides/slide5.xml><?xml version="1.0" encoding="utf-8"?>
+<file path=ppt/slides/slide6.xml><?xml version="1.0" encoding="utf-8"?>
 <p:sld xmlns:a="http://schemas.openxmlformats.org/drawingml/2006/main" xmlns:r="http://schemas.openxmlformats.org/officeDocument/2006/relationships" xmlns:p="http://schemas.openxmlformats.org/presentationml/2006/main" show="0">
   <p:cSld>
     <p:spTree>
@@ -6255,188 +5961,6 @@
     <p:extLst>
       <p:ext uri="{BB962C8B-B14F-4D97-AF65-F5344CB8AC3E}">
         <p14:creationId xmlns:p14="http://schemas.microsoft.com/office/powerpoint/2010/main" val="177934680"/>
-      </p:ext>
-    </p:extLst>
-  </p:cSld>
-  <p:clrMapOvr>
-    <a:masterClrMapping/>
-  </p:clrMapOvr>
-</p:sld>
-</file>
-
-<file path=ppt/slides/slide6.xml><?xml version="1.0" encoding="utf-8"?>
-<p:sld xmlns:a="http://schemas.openxmlformats.org/drawingml/2006/main" xmlns:r="http://schemas.openxmlformats.org/officeDocument/2006/relationships" xmlns:p="http://schemas.openxmlformats.org/presentationml/2006/main">
-  <p:cSld>
-    <p:spTree>
-      <p:nvGrpSpPr>
-        <p:cNvPr id="1" name=""/>
-        <p:cNvGrpSpPr/>
-        <p:nvPr/>
-      </p:nvGrpSpPr>
-      <p:grpSpPr>
-        <a:xfrm>
-          <a:off x="0" y="0"/>
-          <a:ext cx="0" cy="0"/>
-          <a:chOff x="0" y="0"/>
-          <a:chExt cx="0" cy="0"/>
-        </a:xfrm>
-      </p:grpSpPr>
-      <p:sp>
-        <p:nvSpPr>
-          <p:cNvPr id="2" name="Title 1">
-            <a:extLst>
-              <a:ext uri="{FF2B5EF4-FFF2-40B4-BE49-F238E27FC236}">
-                <a16:creationId xmlns:a16="http://schemas.microsoft.com/office/drawing/2014/main" id="{A995D536-86CA-414C-99C8-E8AC014C3F5E}"/>
-              </a:ext>
-            </a:extLst>
-          </p:cNvPr>
-          <p:cNvSpPr>
-            <a:spLocks noGrp="1"/>
-          </p:cNvSpPr>
-          <p:nvPr>
-            <p:ph type="title"/>
-          </p:nvPr>
-        </p:nvSpPr>
-        <p:spPr/>
-        <p:txBody>
-          <a:bodyPr/>
-          <a:lstStyle/>
-          <a:p>
-            <a:r>
-              <a:rPr lang="en-US" dirty="0"/>
-              <a:t>Defensive Driving</a:t>
-            </a:r>
-          </a:p>
-        </p:txBody>
-      </p:sp>
-      <p:sp>
-        <p:nvSpPr>
-          <p:cNvPr id="3" name="Content Placeholder 2">
-            <a:extLst>
-              <a:ext uri="{FF2B5EF4-FFF2-40B4-BE49-F238E27FC236}">
-                <a16:creationId xmlns:a16="http://schemas.microsoft.com/office/drawing/2014/main" id="{7C44B6BE-4973-496A-A2F4-495C3F9F8300}"/>
-              </a:ext>
-            </a:extLst>
-          </p:cNvPr>
-          <p:cNvSpPr>
-            <a:spLocks noGrp="1"/>
-          </p:cNvSpPr>
-          <p:nvPr>
-            <p:ph idx="1"/>
-          </p:nvPr>
-        </p:nvSpPr>
-        <p:spPr/>
-        <p:txBody>
-          <a:bodyPr>
-            <a:normAutofit fontScale="85000" lnSpcReduction="20000"/>
-          </a:bodyPr>
-          <a:lstStyle/>
-          <a:p>
-            <a:r>
-              <a:rPr lang="en-US" dirty="0"/>
-              <a:t>Defensives drivers demonstrate the following characteristics</a:t>
-            </a:r>
-          </a:p>
-          <a:p>
-            <a:pPr lvl="1"/>
-            <a:r>
-              <a:rPr lang="en-US" dirty="0"/>
-              <a:t>Aware of their surroundings</a:t>
-            </a:r>
-          </a:p>
-          <a:p>
-            <a:pPr lvl="1"/>
-            <a:r>
-              <a:rPr lang="en-US" dirty="0"/>
-              <a:t>Don’t expect drivers to behave the way they do</a:t>
-            </a:r>
-          </a:p>
-          <a:p>
-            <a:pPr lvl="1"/>
-            <a:r>
-              <a:rPr lang="en-US" dirty="0"/>
-              <a:t>Continuously try to anticipate potential hazards</a:t>
-            </a:r>
-          </a:p>
-          <a:p>
-            <a:pPr lvl="1"/>
-            <a:r>
-              <a:rPr lang="en-US" dirty="0"/>
-              <a:t>Are respectful of other drivers</a:t>
-            </a:r>
-          </a:p>
-          <a:p>
-            <a:pPr lvl="1"/>
-            <a:r>
-              <a:rPr lang="en-US" dirty="0"/>
-              <a:t>Follow at a safe distance</a:t>
-            </a:r>
-          </a:p>
-          <a:p>
-            <a:r>
-              <a:rPr lang="en-US" dirty="0"/>
-              <a:t>Defensive features in cars</a:t>
-            </a:r>
-          </a:p>
-          <a:p>
-            <a:pPr lvl="1"/>
-            <a:r>
-              <a:rPr lang="en-US" dirty="0"/>
-              <a:t>Seat belts</a:t>
-            </a:r>
-          </a:p>
-          <a:p>
-            <a:pPr lvl="1"/>
-            <a:r>
-              <a:rPr lang="en-US" dirty="0"/>
-              <a:t>Safety glass</a:t>
-            </a:r>
-          </a:p>
-          <a:p>
-            <a:pPr lvl="1"/>
-            <a:r>
-              <a:rPr lang="en-US" dirty="0"/>
-              <a:t>Multiple airbags</a:t>
-            </a:r>
-          </a:p>
-          <a:p>
-            <a:pPr lvl="1"/>
-            <a:r>
-              <a:rPr lang="en-US" dirty="0"/>
-              <a:t>Lane keep </a:t>
-            </a:r>
-          </a:p>
-          <a:p>
-            <a:pPr lvl="1"/>
-            <a:r>
-              <a:rPr lang="en-US" dirty="0"/>
-              <a:t>Automatic braking</a:t>
-            </a:r>
-          </a:p>
-          <a:p>
-            <a:pPr lvl="1"/>
-            <a:r>
-              <a:rPr lang="en-US" dirty="0"/>
-              <a:t>Blind spot monitoring</a:t>
-            </a:r>
-          </a:p>
-          <a:p>
-            <a:pPr lvl="1"/>
-            <a:r>
-              <a:rPr lang="en-US" dirty="0"/>
-              <a:t>Traction control</a:t>
-            </a:r>
-          </a:p>
-          <a:p>
-            <a:pPr lvl="1"/>
-            <a:endParaRPr lang="en-US" dirty="0"/>
-          </a:p>
-        </p:txBody>
-      </p:sp>
-    </p:spTree>
-    <p:extLst>
-      <p:ext uri="{BB962C8B-B14F-4D97-AF65-F5344CB8AC3E}">
-        <p14:creationId xmlns:p14="http://schemas.microsoft.com/office/powerpoint/2010/main" val="3906810342"/>
       </p:ext>
     </p:extLst>
   </p:cSld>
@@ -6468,6 +5992,188 @@
           <p:cNvPr id="2" name="Title 1">
             <a:extLst>
               <a:ext uri="{FF2B5EF4-FFF2-40B4-BE49-F238E27FC236}">
+                <a16:creationId xmlns:a16="http://schemas.microsoft.com/office/drawing/2014/main" id="{A995D536-86CA-414C-99C8-E8AC014C3F5E}"/>
+              </a:ext>
+            </a:extLst>
+          </p:cNvPr>
+          <p:cNvSpPr>
+            <a:spLocks noGrp="1"/>
+          </p:cNvSpPr>
+          <p:nvPr>
+            <p:ph type="title"/>
+          </p:nvPr>
+        </p:nvSpPr>
+        <p:spPr/>
+        <p:txBody>
+          <a:bodyPr/>
+          <a:lstStyle/>
+          <a:p>
+            <a:r>
+              <a:rPr lang="en-US" dirty="0"/>
+              <a:t>Defensive Driving</a:t>
+            </a:r>
+          </a:p>
+        </p:txBody>
+      </p:sp>
+      <p:sp>
+        <p:nvSpPr>
+          <p:cNvPr id="3" name="Content Placeholder 2">
+            <a:extLst>
+              <a:ext uri="{FF2B5EF4-FFF2-40B4-BE49-F238E27FC236}">
+                <a16:creationId xmlns:a16="http://schemas.microsoft.com/office/drawing/2014/main" id="{7C44B6BE-4973-496A-A2F4-495C3F9F8300}"/>
+              </a:ext>
+            </a:extLst>
+          </p:cNvPr>
+          <p:cNvSpPr>
+            <a:spLocks noGrp="1"/>
+          </p:cNvSpPr>
+          <p:nvPr>
+            <p:ph idx="1"/>
+          </p:nvPr>
+        </p:nvSpPr>
+        <p:spPr/>
+        <p:txBody>
+          <a:bodyPr>
+            <a:normAutofit fontScale="85000" lnSpcReduction="20000"/>
+          </a:bodyPr>
+          <a:lstStyle/>
+          <a:p>
+            <a:r>
+              <a:rPr lang="en-US" dirty="0"/>
+              <a:t>Defensives drivers demonstrate the following characteristics</a:t>
+            </a:r>
+          </a:p>
+          <a:p>
+            <a:pPr lvl="1"/>
+            <a:r>
+              <a:rPr lang="en-US" dirty="0"/>
+              <a:t>Aware of their surroundings</a:t>
+            </a:r>
+          </a:p>
+          <a:p>
+            <a:pPr lvl="1"/>
+            <a:r>
+              <a:rPr lang="en-US" dirty="0"/>
+              <a:t>Don’t expect drivers to behave the way they do</a:t>
+            </a:r>
+          </a:p>
+          <a:p>
+            <a:pPr lvl="1"/>
+            <a:r>
+              <a:rPr lang="en-US" dirty="0"/>
+              <a:t>Continuously try to anticipate potential hazards</a:t>
+            </a:r>
+          </a:p>
+          <a:p>
+            <a:pPr lvl="1"/>
+            <a:r>
+              <a:rPr lang="en-US" dirty="0"/>
+              <a:t>Are respectful of other drivers</a:t>
+            </a:r>
+          </a:p>
+          <a:p>
+            <a:pPr lvl="1"/>
+            <a:r>
+              <a:rPr lang="en-US" dirty="0"/>
+              <a:t>Follow at a safe distance</a:t>
+            </a:r>
+          </a:p>
+          <a:p>
+            <a:r>
+              <a:rPr lang="en-US" dirty="0"/>
+              <a:t>Defensive features in cars</a:t>
+            </a:r>
+          </a:p>
+          <a:p>
+            <a:pPr lvl="1"/>
+            <a:r>
+              <a:rPr lang="en-US" dirty="0"/>
+              <a:t>Seat belts</a:t>
+            </a:r>
+          </a:p>
+          <a:p>
+            <a:pPr lvl="1"/>
+            <a:r>
+              <a:rPr lang="en-US" dirty="0"/>
+              <a:t>Safety glass</a:t>
+            </a:r>
+          </a:p>
+          <a:p>
+            <a:pPr lvl="1"/>
+            <a:r>
+              <a:rPr lang="en-US" dirty="0"/>
+              <a:t>Multiple airbags</a:t>
+            </a:r>
+          </a:p>
+          <a:p>
+            <a:pPr lvl="1"/>
+            <a:r>
+              <a:rPr lang="en-US" dirty="0"/>
+              <a:t>Lane keep </a:t>
+            </a:r>
+          </a:p>
+          <a:p>
+            <a:pPr lvl="1"/>
+            <a:r>
+              <a:rPr lang="en-US" dirty="0"/>
+              <a:t>Automatic braking</a:t>
+            </a:r>
+          </a:p>
+          <a:p>
+            <a:pPr lvl="1"/>
+            <a:r>
+              <a:rPr lang="en-US" dirty="0"/>
+              <a:t>Blind spot monitoring</a:t>
+            </a:r>
+          </a:p>
+          <a:p>
+            <a:pPr lvl="1"/>
+            <a:r>
+              <a:rPr lang="en-US" dirty="0"/>
+              <a:t>Traction control</a:t>
+            </a:r>
+          </a:p>
+          <a:p>
+            <a:pPr lvl="1"/>
+            <a:endParaRPr lang="en-US" dirty="0"/>
+          </a:p>
+        </p:txBody>
+      </p:sp>
+    </p:spTree>
+    <p:extLst>
+      <p:ext uri="{BB962C8B-B14F-4D97-AF65-F5344CB8AC3E}">
+        <p14:creationId xmlns:p14="http://schemas.microsoft.com/office/powerpoint/2010/main" val="3906810342"/>
+      </p:ext>
+    </p:extLst>
+  </p:cSld>
+  <p:clrMapOvr>
+    <a:masterClrMapping/>
+  </p:clrMapOvr>
+</p:sld>
+</file>
+
+<file path=ppt/slides/slide8.xml><?xml version="1.0" encoding="utf-8"?>
+<p:sld xmlns:a="http://schemas.openxmlformats.org/drawingml/2006/main" xmlns:r="http://schemas.openxmlformats.org/officeDocument/2006/relationships" xmlns:p="http://schemas.openxmlformats.org/presentationml/2006/main">
+  <p:cSld>
+    <p:spTree>
+      <p:nvGrpSpPr>
+        <p:cNvPr id="1" name=""/>
+        <p:cNvGrpSpPr/>
+        <p:nvPr/>
+      </p:nvGrpSpPr>
+      <p:grpSpPr>
+        <a:xfrm>
+          <a:off x="0" y="0"/>
+          <a:ext cx="0" cy="0"/>
+          <a:chOff x="0" y="0"/>
+          <a:chExt cx="0" cy="0"/>
+        </a:xfrm>
+      </p:grpSpPr>
+      <p:sp>
+        <p:nvSpPr>
+          <p:cNvPr id="2" name="Title 1">
+            <a:extLst>
+              <a:ext uri="{FF2B5EF4-FFF2-40B4-BE49-F238E27FC236}">
                 <a16:creationId xmlns:a16="http://schemas.microsoft.com/office/drawing/2014/main" id="{0906895A-E735-4EAD-9878-1033A0AF2B15}"/>
               </a:ext>
             </a:extLst>
@@ -6558,7 +6264,7 @@
 </p:sld>
 </file>
 
-<file path=ppt/slides/slide8.xml><?xml version="1.0" encoding="utf-8"?>
+<file path=ppt/slides/slide9.xml><?xml version="1.0" encoding="utf-8"?>
 <p:sld xmlns:a="http://schemas.openxmlformats.org/drawingml/2006/main" xmlns:r="http://schemas.openxmlformats.org/officeDocument/2006/relationships" xmlns:p="http://schemas.openxmlformats.org/presentationml/2006/main" show="0">
   <p:cSld>
     <p:spTree>
@@ -6641,104 +6347,6 @@
     <p:extLst>
       <p:ext uri="{BB962C8B-B14F-4D97-AF65-F5344CB8AC3E}">
         <p14:creationId xmlns:p14="http://schemas.microsoft.com/office/powerpoint/2010/main" val="1249041938"/>
-      </p:ext>
-    </p:extLst>
-  </p:cSld>
-  <p:clrMapOvr>
-    <a:masterClrMapping/>
-  </p:clrMapOvr>
-</p:sld>
-</file>
-
-<file path=ppt/slides/slide9.xml><?xml version="1.0" encoding="utf-8"?>
-<p:sld xmlns:a="http://schemas.openxmlformats.org/drawingml/2006/main" xmlns:r="http://schemas.openxmlformats.org/officeDocument/2006/relationships" xmlns:p="http://schemas.openxmlformats.org/presentationml/2006/main">
-  <p:cSld>
-    <p:spTree>
-      <p:nvGrpSpPr>
-        <p:cNvPr id="1" name=""/>
-        <p:cNvGrpSpPr/>
-        <p:nvPr/>
-      </p:nvGrpSpPr>
-      <p:grpSpPr>
-        <a:xfrm>
-          <a:off x="0" y="0"/>
-          <a:ext cx="0" cy="0"/>
-          <a:chOff x="0" y="0"/>
-          <a:chExt cx="0" cy="0"/>
-        </a:xfrm>
-      </p:grpSpPr>
-      <p:sp>
-        <p:nvSpPr>
-          <p:cNvPr id="2" name="Title 1">
-            <a:extLst>
-              <a:ext uri="{FF2B5EF4-FFF2-40B4-BE49-F238E27FC236}">
-                <a16:creationId xmlns:a16="http://schemas.microsoft.com/office/drawing/2014/main" id="{DFCD8CD3-87D7-4F05-AC81-AD6AC8EF0193}"/>
-              </a:ext>
-            </a:extLst>
-          </p:cNvPr>
-          <p:cNvSpPr>
-            <a:spLocks noGrp="1"/>
-          </p:cNvSpPr>
-          <p:nvPr>
-            <p:ph type="title"/>
-          </p:nvPr>
-        </p:nvSpPr>
-        <p:spPr/>
-        <p:txBody>
-          <a:bodyPr/>
-          <a:lstStyle/>
-          <a:p>
-            <a:r>
-              <a:rPr lang="en-US" dirty="0"/>
-              <a:t>Exceptions</a:t>
-            </a:r>
-          </a:p>
-        </p:txBody>
-      </p:sp>
-      <p:sp>
-        <p:nvSpPr>
-          <p:cNvPr id="3" name="Content Placeholder 2">
-            <a:extLst>
-              <a:ext uri="{FF2B5EF4-FFF2-40B4-BE49-F238E27FC236}">
-                <a16:creationId xmlns:a16="http://schemas.microsoft.com/office/drawing/2014/main" id="{D460A44C-C67E-4EDD-9C31-537F957E5F7C}"/>
-              </a:ext>
-            </a:extLst>
-          </p:cNvPr>
-          <p:cNvSpPr>
-            <a:spLocks noGrp="1"/>
-          </p:cNvSpPr>
-          <p:nvPr>
-            <p:ph idx="1"/>
-          </p:nvPr>
-        </p:nvSpPr>
-        <p:spPr/>
-        <p:txBody>
-          <a:bodyPr/>
-          <a:lstStyle/>
-          <a:p>
-            <a:r>
-              <a:rPr lang="en-US" dirty="0"/>
-              <a:t>Exceptions need to provide enough detail to help solve problems.  </a:t>
-            </a:r>
-          </a:p>
-          <a:p>
-            <a:r>
-              <a:rPr lang="en-US" dirty="0"/>
-              <a:t>If the information is deemed security sensitive, it should be logged and referenced in the error message</a:t>
-            </a:r>
-          </a:p>
-          <a:p>
-            <a:r>
-              <a:rPr lang="en-US" dirty="0"/>
-              <a:t>Exceptions should provide insight about how to solve potential errors.  This is especially useful in shared libraries.</a:t>
-            </a:r>
-          </a:p>
-        </p:txBody>
-      </p:sp>
-    </p:spTree>
-    <p:extLst>
-      <p:ext uri="{BB962C8B-B14F-4D97-AF65-F5344CB8AC3E}">
-        <p14:creationId xmlns:p14="http://schemas.microsoft.com/office/powerpoint/2010/main" val="351141363"/>
       </p:ext>
     </p:extLst>
   </p:cSld>
